--- a/materials/session_18/T/ML-Session18-T.pptx
+++ b/materials/session_18/T/ML-Session18-T.pptx
@@ -145,10 +145,9 @@
 <file path=ppt/revisionInfo.xml><?xml version="1.0" encoding="utf-8"?>
 <p1510:revInfo xmlns:a="http://schemas.openxmlformats.org/drawingml/2006/main" xmlns:r="http://schemas.openxmlformats.org/officeDocument/2006/relationships" xmlns:p1510="http://schemas.microsoft.com/office/powerpoint/2015/10/main">
   <p1510:revLst>
+    <p1510:client id="{044302BE-9281-0071-AB90-343CF8656435}" v="4" dt="2024-04-24T09:55:03.347"/>
     <p1510:client id="{58BE11F2-77F7-BEB1-4B4C-6378946FC898}" v="77" dt="2024-04-22T13:27:26.447"/>
     <p1510:client id="{7B17BB7A-86C3-BEF0-82B4-F63F96FED338}" v="726" dt="2024-04-22T21:06:47.953"/>
-    <p1510:client id="{8CA65F58-580A-BB49-1FB1-478D603553E9}" v="2244" dt="2024-04-21T22:18:21.930"/>
-    <p1510:client id="{D9F0F742-9F8C-7310-9134-9AC0FEB2A389}" v="8" dt="2024-04-21T20:33:23.642"/>
   </p1510:revLst>
 </p1510:revInfo>
 </file>
@@ -282,7 +281,7 @@
           <a:p>
             <a:fld id="{E431C0BB-DC71-4713-A787-95011EDB8CA8}" type="datetimeFigureOut">
               <a:rPr lang="pt-PT" smtClean="0"/>
-              <a:t>22/04/2024</a:t>
+              <a:t>24/04/2024</a:t>
             </a:fld>
             <a:endParaRPr lang="pt-PT"/>
           </a:p>
@@ -450,7 +449,7 @@
           <a:p>
             <a:fld id="{E431C0BB-DC71-4713-A787-95011EDB8CA8}" type="datetimeFigureOut">
               <a:rPr lang="pt-PT" smtClean="0"/>
-              <a:t>22/04/2024</a:t>
+              <a:t>24/04/2024</a:t>
             </a:fld>
             <a:endParaRPr lang="pt-PT"/>
           </a:p>
@@ -628,7 +627,7 @@
           <a:p>
             <a:fld id="{E431C0BB-DC71-4713-A787-95011EDB8CA8}" type="datetimeFigureOut">
               <a:rPr lang="pt-PT" smtClean="0"/>
-              <a:t>22/04/2024</a:t>
+              <a:t>24/04/2024</a:t>
             </a:fld>
             <a:endParaRPr lang="pt-PT"/>
           </a:p>
@@ -796,7 +795,7 @@
           <a:p>
             <a:fld id="{E431C0BB-DC71-4713-A787-95011EDB8CA8}" type="datetimeFigureOut">
               <a:rPr lang="pt-PT" smtClean="0"/>
-              <a:t>22/04/2024</a:t>
+              <a:t>24/04/2024</a:t>
             </a:fld>
             <a:endParaRPr lang="pt-PT"/>
           </a:p>
@@ -1041,7 +1040,7 @@
           <a:p>
             <a:fld id="{E431C0BB-DC71-4713-A787-95011EDB8CA8}" type="datetimeFigureOut">
               <a:rPr lang="pt-PT" smtClean="0"/>
-              <a:t>22/04/2024</a:t>
+              <a:t>24/04/2024</a:t>
             </a:fld>
             <a:endParaRPr lang="pt-PT"/>
           </a:p>
@@ -1270,7 +1269,7 @@
           <a:p>
             <a:fld id="{E431C0BB-DC71-4713-A787-95011EDB8CA8}" type="datetimeFigureOut">
               <a:rPr lang="pt-PT" smtClean="0"/>
-              <a:t>22/04/2024</a:t>
+              <a:t>24/04/2024</a:t>
             </a:fld>
             <a:endParaRPr lang="pt-PT"/>
           </a:p>
@@ -1634,7 +1633,7 @@
           <a:p>
             <a:fld id="{E431C0BB-DC71-4713-A787-95011EDB8CA8}" type="datetimeFigureOut">
               <a:rPr lang="pt-PT" smtClean="0"/>
-              <a:t>22/04/2024</a:t>
+              <a:t>24/04/2024</a:t>
             </a:fld>
             <a:endParaRPr lang="pt-PT"/>
           </a:p>
@@ -1751,7 +1750,7 @@
           <a:p>
             <a:fld id="{E431C0BB-DC71-4713-A787-95011EDB8CA8}" type="datetimeFigureOut">
               <a:rPr lang="pt-PT" smtClean="0"/>
-              <a:t>22/04/2024</a:t>
+              <a:t>24/04/2024</a:t>
             </a:fld>
             <a:endParaRPr lang="pt-PT"/>
           </a:p>
@@ -1846,7 +1845,7 @@
           <a:p>
             <a:fld id="{E431C0BB-DC71-4713-A787-95011EDB8CA8}" type="datetimeFigureOut">
               <a:rPr lang="pt-PT" smtClean="0"/>
-              <a:t>22/04/2024</a:t>
+              <a:t>24/04/2024</a:t>
             </a:fld>
             <a:endParaRPr lang="pt-PT"/>
           </a:p>
@@ -2121,7 +2120,7 @@
           <a:p>
             <a:fld id="{E431C0BB-DC71-4713-A787-95011EDB8CA8}" type="datetimeFigureOut">
               <a:rPr lang="pt-PT" smtClean="0"/>
-              <a:t>22/04/2024</a:t>
+              <a:t>24/04/2024</a:t>
             </a:fld>
             <a:endParaRPr lang="pt-PT"/>
           </a:p>
@@ -2373,7 +2372,7 @@
           <a:p>
             <a:fld id="{E431C0BB-DC71-4713-A787-95011EDB8CA8}" type="datetimeFigureOut">
               <a:rPr lang="pt-PT" smtClean="0"/>
-              <a:t>22/04/2024</a:t>
+              <a:t>24/04/2024</a:t>
             </a:fld>
             <a:endParaRPr lang="pt-PT"/>
           </a:p>
@@ -2584,7 +2583,7 @@
           <a:p>
             <a:fld id="{E431C0BB-DC71-4713-A787-95011EDB8CA8}" type="datetimeFigureOut">
               <a:rPr lang="pt-PT" smtClean="0"/>
-              <a:t>22/04/2024</a:t>
+              <a:t>24/04/2024</a:t>
             </a:fld>
             <a:endParaRPr lang="pt-PT"/>
           </a:p>
@@ -3811,7 +3810,7 @@
                 <a:latin typeface="Calibri"/>
                 <a:cs typeface="Calibri"/>
               </a:rPr>
-              <a:t> 17 - T</a:t>
+              <a:t> 18 - T</a:t>
             </a:r>
           </a:p>
         </p:txBody>
